--- a/SpringSecurity.pptx
+++ b/SpringSecurity.pptx
@@ -5,7 +5,7 @@
     <p:sldMasterId id="2147483648" r:id="rId1"/>
   </p:sldMasterIdLst>
   <p:notesMasterIdLst>
-    <p:notesMasterId r:id="rId10"/>
+    <p:notesMasterId r:id="rId19"/>
   </p:notesMasterIdLst>
   <p:sldIdLst>
     <p:sldId id="256" r:id="rId2"/>
@@ -15,7 +15,16 @@
     <p:sldId id="260" r:id="rId6"/>
     <p:sldId id="261" r:id="rId7"/>
     <p:sldId id="262" r:id="rId8"/>
-    <p:sldId id="263" r:id="rId9"/>
+    <p:sldId id="264" r:id="rId9"/>
+    <p:sldId id="265" r:id="rId10"/>
+    <p:sldId id="266" r:id="rId11"/>
+    <p:sldId id="267" r:id="rId12"/>
+    <p:sldId id="270" r:id="rId13"/>
+    <p:sldId id="268" r:id="rId14"/>
+    <p:sldId id="269" r:id="rId15"/>
+    <p:sldId id="263" r:id="rId16"/>
+    <p:sldId id="271" r:id="rId17"/>
+    <p:sldId id="272" r:id="rId18"/>
   </p:sldIdLst>
   <p:sldSz cx="9144000" cy="6858000" type="screen4x3"/>
   <p:notesSz cx="6858000" cy="9144000"/>
@@ -199,7 +208,7 @@
           <a:p>
             <a:fld id="{0DF92C8F-F90B-40F9-9F06-1FA6B2DA56E5}" type="datetimeFigureOut">
               <a:rPr lang="en-US" smtClean="0"/>
-              <a:t>5/21/2017</a:t>
+              <a:t>5/26/2017</a:t>
             </a:fld>
             <a:endParaRPr lang="en-US"/>
           </a:p>
@@ -513,11 +522,7 @@
           <a:p>
             <a:r>
               <a:rPr lang="en-US" dirty="0" smtClean="0"/>
-              <a:t>Spring Security was originally the ACEGI </a:t>
-            </a:r>
-            <a:r>
-              <a:rPr lang="en-US" dirty="0" smtClean="0"/>
-              <a:t>project in </a:t>
+              <a:t>Spring Security was originally the ACEGI project in </a:t>
             </a:r>
             <a:r>
               <a:rPr lang="en-US" sz="1200" b="0" i="0" kern="1200" dirty="0" smtClean="0">
@@ -533,11 +538,7 @@
             </a:r>
             <a:r>
               <a:rPr lang="en-US" dirty="0" smtClean="0"/>
-              <a:t>, </a:t>
-            </a:r>
-            <a:r>
-              <a:rPr lang="en-US" dirty="0" smtClean="0"/>
-              <a:t>but had one particular problem: death by XML. The</a:t>
+              <a:t>, but had one particular problem: death by XML. The</a:t>
             </a:r>
             <a:r>
               <a:rPr lang="en-US" baseline="0" dirty="0" smtClean="0"/>
@@ -550,15 +551,7 @@
           <a:p>
             <a:r>
               <a:rPr lang="en-US" baseline="0" dirty="0" smtClean="0"/>
-              <a:t>ACEGI was adopted by the overall Spring project </a:t>
-            </a:r>
-            <a:r>
-              <a:rPr lang="en-US" baseline="0" dirty="0" smtClean="0"/>
-              <a:t>in 2007 and </a:t>
-            </a:r>
-            <a:r>
-              <a:rPr lang="en-US" baseline="0" dirty="0" smtClean="0"/>
-              <a:t>renamed Spring Security with the Spring 2.0 release. The new security namespace was supplemented with annotation-based configuration, and the older Death By XML gave way to Configuration by Convention.</a:t>
+              <a:t>ACEGI was adopted by the overall Spring project in 2007 and renamed Spring Security with the Spring 2.0 release. The new security namespace was supplemented with annotation-based configuration, and the older Death By XML gave way to Configuration by Convention.</a:t>
             </a:r>
             <a:endParaRPr lang="en-US" dirty="0" smtClean="0"/>
           </a:p>
@@ -785,7 +778,7 @@
             <a:fld id="{1D8BD707-D9CF-40AE-B4C6-C98DA3205C09}" type="datetimeFigureOut">
               <a:rPr lang="en-US" smtClean="0"/>
               <a:pPr/>
-              <a:t>5/21/2017</a:t>
+              <a:t>5/26/2017</a:t>
             </a:fld>
             <a:endParaRPr lang="en-US"/>
           </a:p>
@@ -952,7 +945,7 @@
             <a:fld id="{1D8BD707-D9CF-40AE-B4C6-C98DA3205C09}" type="datetimeFigureOut">
               <a:rPr lang="en-US" smtClean="0"/>
               <a:pPr/>
-              <a:t>5/21/2017</a:t>
+              <a:t>5/26/2017</a:t>
             </a:fld>
             <a:endParaRPr lang="en-US"/>
           </a:p>
@@ -1129,7 +1122,7 @@
             <a:fld id="{1D8BD707-D9CF-40AE-B4C6-C98DA3205C09}" type="datetimeFigureOut">
               <a:rPr lang="en-US" smtClean="0"/>
               <a:pPr/>
-              <a:t>5/21/2017</a:t>
+              <a:t>5/26/2017</a:t>
             </a:fld>
             <a:endParaRPr lang="en-US"/>
           </a:p>
@@ -1296,7 +1289,7 @@
             <a:fld id="{1D8BD707-D9CF-40AE-B4C6-C98DA3205C09}" type="datetimeFigureOut">
               <a:rPr lang="en-US" smtClean="0"/>
               <a:pPr/>
-              <a:t>5/21/2017</a:t>
+              <a:t>5/26/2017</a:t>
             </a:fld>
             <a:endParaRPr lang="en-US"/>
           </a:p>
@@ -1539,7 +1532,7 @@
             <a:fld id="{1D8BD707-D9CF-40AE-B4C6-C98DA3205C09}" type="datetimeFigureOut">
               <a:rPr lang="en-US" smtClean="0"/>
               <a:pPr/>
-              <a:t>5/21/2017</a:t>
+              <a:t>5/26/2017</a:t>
             </a:fld>
             <a:endParaRPr lang="en-US"/>
           </a:p>
@@ -1824,7 +1817,7 @@
             <a:fld id="{1D8BD707-D9CF-40AE-B4C6-C98DA3205C09}" type="datetimeFigureOut">
               <a:rPr lang="en-US" smtClean="0"/>
               <a:pPr/>
-              <a:t>5/21/2017</a:t>
+              <a:t>5/26/2017</a:t>
             </a:fld>
             <a:endParaRPr lang="en-US"/>
           </a:p>
@@ -2243,7 +2236,7 @@
             <a:fld id="{1D8BD707-D9CF-40AE-B4C6-C98DA3205C09}" type="datetimeFigureOut">
               <a:rPr lang="en-US" smtClean="0"/>
               <a:pPr/>
-              <a:t>5/21/2017</a:t>
+              <a:t>5/26/2017</a:t>
             </a:fld>
             <a:endParaRPr lang="en-US"/>
           </a:p>
@@ -2358,7 +2351,7 @@
             <a:fld id="{1D8BD707-D9CF-40AE-B4C6-C98DA3205C09}" type="datetimeFigureOut">
               <a:rPr lang="en-US" smtClean="0"/>
               <a:pPr/>
-              <a:t>5/21/2017</a:t>
+              <a:t>5/26/2017</a:t>
             </a:fld>
             <a:endParaRPr lang="en-US"/>
           </a:p>
@@ -2450,7 +2443,7 @@
             <a:fld id="{1D8BD707-D9CF-40AE-B4C6-C98DA3205C09}" type="datetimeFigureOut">
               <a:rPr lang="en-US" smtClean="0"/>
               <a:pPr/>
-              <a:t>5/21/2017</a:t>
+              <a:t>5/26/2017</a:t>
             </a:fld>
             <a:endParaRPr lang="en-US"/>
           </a:p>
@@ -2724,7 +2717,7 @@
             <a:fld id="{1D8BD707-D9CF-40AE-B4C6-C98DA3205C09}" type="datetimeFigureOut">
               <a:rPr lang="en-US" smtClean="0"/>
               <a:pPr/>
-              <a:t>5/21/2017</a:t>
+              <a:t>5/26/2017</a:t>
             </a:fld>
             <a:endParaRPr lang="en-US"/>
           </a:p>
@@ -2974,7 +2967,7 @@
             <a:fld id="{1D8BD707-D9CF-40AE-B4C6-C98DA3205C09}" type="datetimeFigureOut">
               <a:rPr lang="en-US" smtClean="0"/>
               <a:pPr/>
-              <a:t>5/21/2017</a:t>
+              <a:t>5/26/2017</a:t>
             </a:fld>
             <a:endParaRPr lang="en-US"/>
           </a:p>
@@ -3184,7 +3177,7 @@
             <a:fld id="{1D8BD707-D9CF-40AE-B4C6-C98DA3205C09}" type="datetimeFigureOut">
               <a:rPr lang="en-US" smtClean="0"/>
               <a:pPr/>
-              <a:t>5/21/2017</a:t>
+              <a:t>5/26/2017</a:t>
             </a:fld>
             <a:endParaRPr lang="en-US"/>
           </a:p>
@@ -3659,6 +3652,1002 @@
 </p:sld>
 </file>
 
+<file path=ppt/slides/slide10.xml><?xml version="1.0" encoding="utf-8"?>
+<p:sld xmlns:a="http://schemas.openxmlformats.org/drawingml/2006/main" xmlns:r="http://schemas.openxmlformats.org/officeDocument/2006/relationships" xmlns:p="http://schemas.openxmlformats.org/presentationml/2006/main">
+  <p:cSld>
+    <p:spTree>
+      <p:nvGrpSpPr>
+        <p:cNvPr id="1" name=""/>
+        <p:cNvGrpSpPr/>
+        <p:nvPr/>
+      </p:nvGrpSpPr>
+      <p:grpSpPr>
+        <a:xfrm>
+          <a:off x="0" y="0"/>
+          <a:ext cx="0" cy="0"/>
+          <a:chOff x="0" y="0"/>
+          <a:chExt cx="0" cy="0"/>
+        </a:xfrm>
+      </p:grpSpPr>
+      <p:sp>
+        <p:nvSpPr>
+          <p:cNvPr id="2" name="Title 1"/>
+          <p:cNvSpPr>
+            <a:spLocks noGrp="1"/>
+          </p:cNvSpPr>
+          <p:nvPr>
+            <p:ph type="title"/>
+          </p:nvPr>
+        </p:nvSpPr>
+        <p:spPr/>
+        <p:txBody>
+          <a:bodyPr/>
+          <a:lstStyle/>
+          <a:p>
+            <a:r>
+              <a:rPr lang="en-US" dirty="0" smtClean="0"/>
+              <a:t>LDAP</a:t>
+            </a:r>
+            <a:endParaRPr lang="en-US" dirty="0"/>
+          </a:p>
+        </p:txBody>
+      </p:sp>
+      <p:pic>
+        <p:nvPicPr>
+          <p:cNvPr id="3074" name="Picture 2"/>
+          <p:cNvPicPr>
+            <a:picLocks noChangeAspect="1" noChangeArrowheads="1"/>
+          </p:cNvPicPr>
+          <p:nvPr/>
+        </p:nvPicPr>
+        <p:blipFill>
+          <a:blip r:embed="rId2">
+            <a:extLst>
+              <a:ext uri="{28A0092B-C50C-407E-A947-70E740481C1C}">
+                <a14:useLocalDpi xmlns:a14="http://schemas.microsoft.com/office/drawing/2010/main" val="0"/>
+              </a:ext>
+            </a:extLst>
+          </a:blip>
+          <a:srcRect/>
+          <a:stretch>
+            <a:fillRect/>
+          </a:stretch>
+        </p:blipFill>
+        <p:spPr bwMode="auto">
+          <a:xfrm>
+            <a:off x="533400" y="1676400"/>
+            <a:ext cx="7969428" cy="3724275"/>
+          </a:xfrm>
+          <a:prstGeom prst="rect">
+            <a:avLst/>
+          </a:prstGeom>
+          <a:noFill/>
+          <a:ln>
+            <a:noFill/>
+          </a:ln>
+          <a:extLst>
+            <a:ext uri="{909E8E84-426E-40DD-AFC4-6F175D3DCCD1}">
+              <a14:hiddenFill xmlns:a14="http://schemas.microsoft.com/office/drawing/2010/main">
+                <a:solidFill>
+                  <a:schemeClr val="accent1"/>
+                </a:solidFill>
+              </a14:hiddenFill>
+            </a:ext>
+            <a:ext uri="{91240B29-F687-4F45-9708-019B960494DF}">
+              <a14:hiddenLine xmlns:a14="http://schemas.microsoft.com/office/drawing/2010/main" w="9525">
+                <a:solidFill>
+                  <a:schemeClr val="tx1"/>
+                </a:solidFill>
+                <a:miter lim="800000"/>
+                <a:headEnd/>
+                <a:tailEnd/>
+              </a14:hiddenLine>
+            </a:ext>
+          </a:extLst>
+        </p:spPr>
+      </p:pic>
+    </p:spTree>
+    <p:extLst>
+      <p:ext uri="{BB962C8B-B14F-4D97-AF65-F5344CB8AC3E}">
+        <p14:creationId xmlns:p14="http://schemas.microsoft.com/office/powerpoint/2010/main" val="3812384285"/>
+      </p:ext>
+    </p:extLst>
+  </p:cSld>
+  <p:clrMapOvr>
+    <a:masterClrMapping/>
+  </p:clrMapOvr>
+</p:sld>
+</file>
+
+<file path=ppt/slides/slide11.xml><?xml version="1.0" encoding="utf-8"?>
+<p:sld xmlns:a="http://schemas.openxmlformats.org/drawingml/2006/main" xmlns:r="http://schemas.openxmlformats.org/officeDocument/2006/relationships" xmlns:p="http://schemas.openxmlformats.org/presentationml/2006/main">
+  <p:cSld>
+    <p:spTree>
+      <p:nvGrpSpPr>
+        <p:cNvPr id="1" name=""/>
+        <p:cNvGrpSpPr/>
+        <p:nvPr/>
+      </p:nvGrpSpPr>
+      <p:grpSpPr>
+        <a:xfrm>
+          <a:off x="0" y="0"/>
+          <a:ext cx="0" cy="0"/>
+          <a:chOff x="0" y="0"/>
+          <a:chExt cx="0" cy="0"/>
+        </a:xfrm>
+      </p:grpSpPr>
+      <p:sp>
+        <p:nvSpPr>
+          <p:cNvPr id="2" name="Title 1"/>
+          <p:cNvSpPr>
+            <a:spLocks noGrp="1"/>
+          </p:cNvSpPr>
+          <p:nvPr>
+            <p:ph type="title"/>
+          </p:nvPr>
+        </p:nvSpPr>
+        <p:spPr/>
+        <p:txBody>
+          <a:bodyPr/>
+          <a:lstStyle/>
+          <a:p>
+            <a:r>
+              <a:rPr lang="en-US" dirty="0" smtClean="0"/>
+              <a:t>Single Sign on (SSO)</a:t>
+            </a:r>
+            <a:endParaRPr lang="en-US" dirty="0"/>
+          </a:p>
+        </p:txBody>
+      </p:sp>
+      <p:sp>
+        <p:nvSpPr>
+          <p:cNvPr id="3" name="Content Placeholder 2"/>
+          <p:cNvSpPr>
+            <a:spLocks noGrp="1"/>
+          </p:cNvSpPr>
+          <p:nvPr>
+            <p:ph idx="1"/>
+          </p:nvPr>
+        </p:nvSpPr>
+        <p:spPr/>
+        <p:txBody>
+          <a:bodyPr/>
+          <a:lstStyle/>
+          <a:p>
+            <a:r>
+              <a:rPr lang="en-US" dirty="0"/>
+              <a:t>Single sign-on (SSO) is a property of access control of multiple related, but independent software systems</a:t>
+            </a:r>
+            <a:r>
+              <a:rPr lang="en-US" dirty="0" smtClean="0"/>
+              <a:t>. Ex- Google app store (</a:t>
+            </a:r>
+            <a:r>
+              <a:rPr lang="en-US" dirty="0" err="1" smtClean="0"/>
+              <a:t>gmail,drive,doc,youtube</a:t>
+            </a:r>
+            <a:r>
+              <a:rPr lang="en-US" dirty="0" smtClean="0"/>
+              <a:t>  etc.)</a:t>
+            </a:r>
+          </a:p>
+          <a:p>
+            <a:r>
+              <a:rPr lang="en-US" dirty="0"/>
+              <a:t>Conversely, </a:t>
+            </a:r>
+            <a:r>
+              <a:rPr lang="en-US" b="1" dirty="0"/>
+              <a:t>single sign-off</a:t>
+            </a:r>
+            <a:r>
+              <a:rPr lang="en-US" dirty="0"/>
+              <a:t> is the property whereby a single action of signing out terminates access to multiple software systems.</a:t>
+            </a:r>
+            <a:endParaRPr lang="en-US" dirty="0"/>
+          </a:p>
+        </p:txBody>
+      </p:sp>
+    </p:spTree>
+    <p:extLst>
+      <p:ext uri="{BB962C8B-B14F-4D97-AF65-F5344CB8AC3E}">
+        <p14:creationId xmlns:p14="http://schemas.microsoft.com/office/powerpoint/2010/main" val="40999916"/>
+      </p:ext>
+    </p:extLst>
+  </p:cSld>
+  <p:clrMapOvr>
+    <a:masterClrMapping/>
+  </p:clrMapOvr>
+</p:sld>
+</file>
+
+<file path=ppt/slides/slide12.xml><?xml version="1.0" encoding="utf-8"?>
+<p:sld xmlns:a="http://schemas.openxmlformats.org/drawingml/2006/main" xmlns:r="http://schemas.openxmlformats.org/officeDocument/2006/relationships" xmlns:p="http://schemas.openxmlformats.org/presentationml/2006/main">
+  <p:cSld>
+    <p:spTree>
+      <p:nvGrpSpPr>
+        <p:cNvPr id="1" name=""/>
+        <p:cNvGrpSpPr/>
+        <p:nvPr/>
+      </p:nvGrpSpPr>
+      <p:grpSpPr>
+        <a:xfrm>
+          <a:off x="0" y="0"/>
+          <a:ext cx="0" cy="0"/>
+          <a:chOff x="0" y="0"/>
+          <a:chExt cx="0" cy="0"/>
+        </a:xfrm>
+      </p:grpSpPr>
+      <p:sp>
+        <p:nvSpPr>
+          <p:cNvPr id="2" name="Title 1"/>
+          <p:cNvSpPr>
+            <a:spLocks noGrp="1"/>
+          </p:cNvSpPr>
+          <p:nvPr>
+            <p:ph type="title"/>
+          </p:nvPr>
+        </p:nvSpPr>
+        <p:spPr/>
+        <p:txBody>
+          <a:bodyPr/>
+          <a:lstStyle/>
+          <a:p>
+            <a:r>
+              <a:rPr lang="en-US" dirty="0" smtClean="0"/>
+              <a:t>SSO Architecture</a:t>
+            </a:r>
+            <a:endParaRPr lang="en-US" dirty="0"/>
+          </a:p>
+        </p:txBody>
+      </p:sp>
+      <p:pic>
+        <p:nvPicPr>
+          <p:cNvPr id="4098" name="Picture 2" descr="How it works"/>
+          <p:cNvPicPr>
+            <a:picLocks noChangeAspect="1" noChangeArrowheads="1"/>
+          </p:cNvPicPr>
+          <p:nvPr/>
+        </p:nvPicPr>
+        <p:blipFill>
+          <a:blip r:embed="rId2">
+            <a:extLst>
+              <a:ext uri="{28A0092B-C50C-407E-A947-70E740481C1C}">
+                <a14:useLocalDpi xmlns:a14="http://schemas.microsoft.com/office/drawing/2010/main" val="0"/>
+              </a:ext>
+            </a:extLst>
+          </a:blip>
+          <a:srcRect/>
+          <a:stretch>
+            <a:fillRect/>
+          </a:stretch>
+        </p:blipFill>
+        <p:spPr bwMode="auto">
+          <a:xfrm>
+            <a:off x="0" y="1295400"/>
+            <a:ext cx="9144000" cy="5410200"/>
+          </a:xfrm>
+          <a:prstGeom prst="rect">
+            <a:avLst/>
+          </a:prstGeom>
+          <a:noFill/>
+          <a:extLst>
+            <a:ext uri="{909E8E84-426E-40DD-AFC4-6F175D3DCCD1}">
+              <a14:hiddenFill xmlns:a14="http://schemas.microsoft.com/office/drawing/2010/main">
+                <a:solidFill>
+                  <a:srgbClr val="FFFFFF"/>
+                </a:solidFill>
+              </a14:hiddenFill>
+            </a:ext>
+          </a:extLst>
+        </p:spPr>
+      </p:pic>
+    </p:spTree>
+    <p:extLst>
+      <p:ext uri="{BB962C8B-B14F-4D97-AF65-F5344CB8AC3E}">
+        <p14:creationId xmlns:p14="http://schemas.microsoft.com/office/powerpoint/2010/main" val="2735142331"/>
+      </p:ext>
+    </p:extLst>
+  </p:cSld>
+  <p:clrMapOvr>
+    <a:masterClrMapping/>
+  </p:clrMapOvr>
+</p:sld>
+</file>
+
+<file path=ppt/slides/slide13.xml><?xml version="1.0" encoding="utf-8"?>
+<p:sld xmlns:a="http://schemas.openxmlformats.org/drawingml/2006/main" xmlns:r="http://schemas.openxmlformats.org/officeDocument/2006/relationships" xmlns:p="http://schemas.openxmlformats.org/presentationml/2006/main">
+  <p:cSld>
+    <p:spTree>
+      <p:nvGrpSpPr>
+        <p:cNvPr id="1" name=""/>
+        <p:cNvGrpSpPr/>
+        <p:nvPr/>
+      </p:nvGrpSpPr>
+      <p:grpSpPr>
+        <a:xfrm>
+          <a:off x="0" y="0"/>
+          <a:ext cx="0" cy="0"/>
+          <a:chOff x="0" y="0"/>
+          <a:chExt cx="0" cy="0"/>
+        </a:xfrm>
+      </p:grpSpPr>
+      <p:sp>
+        <p:nvSpPr>
+          <p:cNvPr id="2" name="Title 1"/>
+          <p:cNvSpPr>
+            <a:spLocks noGrp="1"/>
+          </p:cNvSpPr>
+          <p:nvPr>
+            <p:ph type="title"/>
+          </p:nvPr>
+        </p:nvSpPr>
+        <p:spPr/>
+        <p:txBody>
+          <a:bodyPr>
+            <a:normAutofit fontScale="90000"/>
+          </a:bodyPr>
+          <a:lstStyle/>
+          <a:p>
+            <a:r>
+              <a:rPr lang="en-US" dirty="0" smtClean="0"/>
+              <a:t>Single Sign on (SSO)-</a:t>
+            </a:r>
+            <a:r>
+              <a:rPr lang="en-US" dirty="0"/>
+              <a:t>Benefits</a:t>
+            </a:r>
+            <a:br>
+              <a:rPr lang="en-US" dirty="0"/>
+            </a:br>
+            <a:endParaRPr lang="en-US" dirty="0"/>
+          </a:p>
+        </p:txBody>
+      </p:sp>
+      <p:sp>
+        <p:nvSpPr>
+          <p:cNvPr id="3" name="Content Placeholder 2"/>
+          <p:cNvSpPr>
+            <a:spLocks noGrp="1"/>
+          </p:cNvSpPr>
+          <p:nvPr>
+            <p:ph idx="1"/>
+          </p:nvPr>
+        </p:nvSpPr>
+        <p:spPr>
+          <a:xfrm>
+            <a:off x="0" y="1066800"/>
+            <a:ext cx="8915400" cy="5791200"/>
+          </a:xfrm>
+        </p:spPr>
+        <p:txBody>
+          <a:bodyPr>
+            <a:normAutofit fontScale="92500" lnSpcReduction="20000"/>
+          </a:bodyPr>
+          <a:lstStyle/>
+          <a:p>
+            <a:r>
+              <a:rPr lang="en-US" dirty="0"/>
+              <a:t>Mitigate risk for access to 3rd-party sites (user passwords not stored or managed externally)</a:t>
+            </a:r>
+          </a:p>
+          <a:p>
+            <a:r>
+              <a:rPr lang="en-US" dirty="0"/>
+              <a:t>Reducing password fatigue from different user name and password combinations</a:t>
+            </a:r>
+          </a:p>
+          <a:p>
+            <a:r>
+              <a:rPr lang="en-US" dirty="0"/>
+              <a:t>Reducing time spent re-entering passwords for the same identity</a:t>
+            </a:r>
+          </a:p>
+          <a:p>
+            <a:r>
+              <a:rPr lang="en-US" dirty="0"/>
+              <a:t>Reducing IT costs due to lower number of IT help desk calls about passwords[3]</a:t>
+            </a:r>
+          </a:p>
+          <a:p>
+            <a:r>
+              <a:rPr lang="en-US" dirty="0"/>
+              <a:t>SSO shares centralized authentication servers that all other applications and systems use for authentication purposes and combines this with techniques to ensure that users do not have to actively enter their credentials more than once.</a:t>
+            </a:r>
+          </a:p>
+        </p:txBody>
+      </p:sp>
+    </p:spTree>
+    <p:extLst>
+      <p:ext uri="{BB962C8B-B14F-4D97-AF65-F5344CB8AC3E}">
+        <p14:creationId xmlns:p14="http://schemas.microsoft.com/office/powerpoint/2010/main" val="1941950512"/>
+      </p:ext>
+    </p:extLst>
+  </p:cSld>
+  <p:clrMapOvr>
+    <a:masterClrMapping/>
+  </p:clrMapOvr>
+</p:sld>
+</file>
+
+<file path=ppt/slides/slide14.xml><?xml version="1.0" encoding="utf-8"?>
+<p:sld xmlns:a="http://schemas.openxmlformats.org/drawingml/2006/main" xmlns:r="http://schemas.openxmlformats.org/officeDocument/2006/relationships" xmlns:p="http://schemas.openxmlformats.org/presentationml/2006/main">
+  <p:cSld>
+    <p:spTree>
+      <p:nvGrpSpPr>
+        <p:cNvPr id="1" name=""/>
+        <p:cNvGrpSpPr/>
+        <p:nvPr/>
+      </p:nvGrpSpPr>
+      <p:grpSpPr>
+        <a:xfrm>
+          <a:off x="0" y="0"/>
+          <a:ext cx="0" cy="0"/>
+          <a:chOff x="0" y="0"/>
+          <a:chExt cx="0" cy="0"/>
+        </a:xfrm>
+      </p:grpSpPr>
+      <p:sp>
+        <p:nvSpPr>
+          <p:cNvPr id="2" name="Title 1"/>
+          <p:cNvSpPr>
+            <a:spLocks noGrp="1"/>
+          </p:cNvSpPr>
+          <p:nvPr>
+            <p:ph type="title"/>
+          </p:nvPr>
+        </p:nvSpPr>
+        <p:spPr/>
+        <p:txBody>
+          <a:bodyPr/>
+          <a:lstStyle/>
+          <a:p>
+            <a:r>
+              <a:rPr lang="en-US" dirty="0" smtClean="0"/>
+              <a:t>SSO Implementation</a:t>
+            </a:r>
+            <a:endParaRPr lang="en-US" dirty="0"/>
+          </a:p>
+        </p:txBody>
+      </p:sp>
+      <p:sp>
+        <p:nvSpPr>
+          <p:cNvPr id="3" name="Content Placeholder 2"/>
+          <p:cNvSpPr>
+            <a:spLocks noGrp="1"/>
+          </p:cNvSpPr>
+          <p:nvPr>
+            <p:ph idx="1"/>
+          </p:nvPr>
+        </p:nvSpPr>
+        <p:spPr>
+          <a:xfrm>
+            <a:off x="0" y="1600200"/>
+            <a:ext cx="9067800" cy="4953000"/>
+          </a:xfrm>
+        </p:spPr>
+        <p:txBody>
+          <a:bodyPr/>
+          <a:lstStyle/>
+          <a:p>
+            <a:r>
+              <a:rPr lang="en-US" dirty="0"/>
+              <a:t>List of single sign-on implementations</a:t>
+            </a:r>
+          </a:p>
+          <a:p>
+            <a:r>
+              <a:rPr lang="en-US" dirty="0">
+                <a:hlinkClick r:id="rId2"/>
+              </a:rPr>
+              <a:t>https://</a:t>
+            </a:r>
+            <a:r>
+              <a:rPr lang="en-US" dirty="0" smtClean="0">
+                <a:hlinkClick r:id="rId2"/>
+              </a:rPr>
+              <a:t>en.wikipedia.org/wiki/List_of_single_sign-on_implementations</a:t>
+            </a:r>
+            <a:endParaRPr lang="en-US" dirty="0" smtClean="0"/>
+          </a:p>
+          <a:p>
+            <a:pPr lvl="1"/>
+            <a:r>
+              <a:rPr lang="en-US" dirty="0" err="1" smtClean="0"/>
+              <a:t>Siteminder</a:t>
+            </a:r>
+            <a:r>
+              <a:rPr lang="en-US" dirty="0" smtClean="0"/>
+              <a:t> (CA SSO)</a:t>
+            </a:r>
+          </a:p>
+          <a:p>
+            <a:pPr lvl="1"/>
+            <a:r>
+              <a:rPr lang="en-US" dirty="0"/>
+              <a:t>CAS / Central Authentication </a:t>
+            </a:r>
+            <a:r>
+              <a:rPr lang="en-US" dirty="0" smtClean="0"/>
+              <a:t>Service</a:t>
+            </a:r>
+          </a:p>
+          <a:p>
+            <a:pPr lvl="1"/>
+            <a:r>
+              <a:rPr lang="en-US" dirty="0" smtClean="0"/>
+              <a:t>Facebook Connect</a:t>
+            </a:r>
+          </a:p>
+          <a:p>
+            <a:pPr lvl="1"/>
+            <a:r>
+              <a:rPr lang="en-US" dirty="0"/>
+              <a:t>IBM Enterprise Identity </a:t>
+            </a:r>
+            <a:r>
+              <a:rPr lang="en-US" dirty="0" smtClean="0"/>
+              <a:t>Mapping</a:t>
+            </a:r>
+          </a:p>
+          <a:p>
+            <a:pPr lvl="1"/>
+            <a:r>
+              <a:rPr lang="en-US" dirty="0" smtClean="0"/>
+              <a:t>Kerberos</a:t>
+            </a:r>
+          </a:p>
+          <a:p>
+            <a:pPr lvl="1"/>
+            <a:r>
+              <a:rPr lang="en-US" dirty="0" smtClean="0"/>
+              <a:t>SAML(</a:t>
+            </a:r>
+            <a:r>
+              <a:rPr lang="en-US" dirty="0"/>
+              <a:t>Security Assertion Markup </a:t>
+            </a:r>
+            <a:r>
+              <a:rPr lang="en-US" dirty="0" smtClean="0"/>
+              <a:t>Language)</a:t>
+            </a:r>
+          </a:p>
+          <a:p>
+            <a:endParaRPr lang="en-US" dirty="0"/>
+          </a:p>
+        </p:txBody>
+      </p:sp>
+    </p:spTree>
+    <p:extLst>
+      <p:ext uri="{BB962C8B-B14F-4D97-AF65-F5344CB8AC3E}">
+        <p14:creationId xmlns:p14="http://schemas.microsoft.com/office/powerpoint/2010/main" val="22393605"/>
+      </p:ext>
+    </p:extLst>
+  </p:cSld>
+  <p:clrMapOvr>
+    <a:masterClrMapping/>
+  </p:clrMapOvr>
+</p:sld>
+</file>
+
+<file path=ppt/slides/slide15.xml><?xml version="1.0" encoding="utf-8"?>
+<p:sld xmlns:a="http://schemas.openxmlformats.org/drawingml/2006/main" xmlns:r="http://schemas.openxmlformats.org/officeDocument/2006/relationships" xmlns:p="http://schemas.openxmlformats.org/presentationml/2006/main">
+  <p:cSld>
+    <p:spTree>
+      <p:nvGrpSpPr>
+        <p:cNvPr id="1" name=""/>
+        <p:cNvGrpSpPr/>
+        <p:nvPr/>
+      </p:nvGrpSpPr>
+      <p:grpSpPr>
+        <a:xfrm>
+          <a:off x="0" y="0"/>
+          <a:ext cx="0" cy="0"/>
+          <a:chOff x="0" y="0"/>
+          <a:chExt cx="0" cy="0"/>
+        </a:xfrm>
+      </p:grpSpPr>
+      <p:sp>
+        <p:nvSpPr>
+          <p:cNvPr id="2" name="Title 1"/>
+          <p:cNvSpPr>
+            <a:spLocks noGrp="1"/>
+          </p:cNvSpPr>
+          <p:nvPr>
+            <p:ph type="title"/>
+          </p:nvPr>
+        </p:nvSpPr>
+        <p:spPr/>
+        <p:txBody>
+          <a:bodyPr/>
+          <a:lstStyle/>
+          <a:p>
+            <a:r>
+              <a:rPr lang="en-US" dirty="0" smtClean="0"/>
+              <a:t>Spring Security-Modules</a:t>
+            </a:r>
+            <a:endParaRPr lang="en-US" dirty="0"/>
+          </a:p>
+        </p:txBody>
+      </p:sp>
+      <p:sp>
+        <p:nvSpPr>
+          <p:cNvPr id="3" name="Content Placeholder 2"/>
+          <p:cNvSpPr>
+            <a:spLocks noGrp="1"/>
+          </p:cNvSpPr>
+          <p:nvPr>
+            <p:ph idx="1"/>
+          </p:nvPr>
+        </p:nvSpPr>
+        <p:spPr/>
+        <p:txBody>
+          <a:bodyPr/>
+          <a:lstStyle/>
+          <a:p>
+            <a:r>
+              <a:rPr lang="en-US" dirty="0" err="1"/>
+              <a:t>org.springframework.security.core</a:t>
+            </a:r>
+            <a:endParaRPr lang="en-US" dirty="0"/>
+          </a:p>
+          <a:p>
+            <a:r>
+              <a:rPr lang="en-US" dirty="0" err="1"/>
+              <a:t>org.springframework.security.access</a:t>
+            </a:r>
+            <a:endParaRPr lang="en-US" dirty="0"/>
+          </a:p>
+          <a:p>
+            <a:r>
+              <a:rPr lang="en-US" dirty="0" err="1"/>
+              <a:t>org.springframework.security.authentication</a:t>
+            </a:r>
+            <a:endParaRPr lang="en-US" dirty="0"/>
+          </a:p>
+          <a:p>
+            <a:r>
+              <a:rPr lang="en-US" dirty="0" err="1"/>
+              <a:t>org.springframework.security.provisioning</a:t>
+            </a:r>
+            <a:endParaRPr lang="en-US" dirty="0"/>
+          </a:p>
+          <a:p>
+            <a:pPr lvl="1"/>
+            <a:r>
+              <a:rPr lang="en-US" b="1" dirty="0"/>
+              <a:t>Web - spring-security-web.jar</a:t>
+            </a:r>
+          </a:p>
+          <a:p>
+            <a:pPr lvl="1"/>
+            <a:r>
+              <a:rPr lang="en-US" b="1" dirty="0" err="1"/>
+              <a:t>Config</a:t>
+            </a:r>
+            <a:r>
+              <a:rPr lang="en-US" b="1" dirty="0"/>
+              <a:t> - spring-security-config.jar</a:t>
+            </a:r>
+          </a:p>
+          <a:p>
+            <a:pPr lvl="1"/>
+            <a:r>
+              <a:rPr lang="en-US" b="1" dirty="0"/>
+              <a:t>LDAP - spring-security-ldap.jar</a:t>
+            </a:r>
+          </a:p>
+          <a:p>
+            <a:pPr lvl="1"/>
+            <a:endParaRPr lang="en-US" dirty="0"/>
+          </a:p>
+        </p:txBody>
+      </p:sp>
+    </p:spTree>
+    <p:extLst>
+      <p:ext uri="{BB962C8B-B14F-4D97-AF65-F5344CB8AC3E}">
+        <p14:creationId xmlns:p14="http://schemas.microsoft.com/office/powerpoint/2010/main" val="953143570"/>
+      </p:ext>
+    </p:extLst>
+  </p:cSld>
+  <p:clrMapOvr>
+    <a:masterClrMapping/>
+  </p:clrMapOvr>
+</p:sld>
+</file>
+
+<file path=ppt/slides/slide16.xml><?xml version="1.0" encoding="utf-8"?>
+<p:sld xmlns:a="http://schemas.openxmlformats.org/drawingml/2006/main" xmlns:r="http://schemas.openxmlformats.org/officeDocument/2006/relationships" xmlns:p="http://schemas.openxmlformats.org/presentationml/2006/main">
+  <p:cSld>
+    <p:spTree>
+      <p:nvGrpSpPr>
+        <p:cNvPr id="1" name=""/>
+        <p:cNvGrpSpPr/>
+        <p:nvPr/>
+      </p:nvGrpSpPr>
+      <p:grpSpPr>
+        <a:xfrm>
+          <a:off x="0" y="0"/>
+          <a:ext cx="0" cy="0"/>
+          <a:chOff x="0" y="0"/>
+          <a:chExt cx="0" cy="0"/>
+        </a:xfrm>
+      </p:grpSpPr>
+      <p:sp>
+        <p:nvSpPr>
+          <p:cNvPr id="2" name="Title 1"/>
+          <p:cNvSpPr>
+            <a:spLocks noGrp="1"/>
+          </p:cNvSpPr>
+          <p:nvPr>
+            <p:ph type="title"/>
+          </p:nvPr>
+        </p:nvSpPr>
+        <p:spPr/>
+        <p:txBody>
+          <a:bodyPr/>
+          <a:lstStyle/>
+          <a:p>
+            <a:r>
+              <a:rPr lang="en-US" dirty="0" smtClean="0"/>
+              <a:t>Reference</a:t>
+            </a:r>
+            <a:endParaRPr lang="en-US" dirty="0"/>
+          </a:p>
+        </p:txBody>
+      </p:sp>
+      <p:sp>
+        <p:nvSpPr>
+          <p:cNvPr id="3" name="Content Placeholder 2"/>
+          <p:cNvSpPr>
+            <a:spLocks noGrp="1"/>
+          </p:cNvSpPr>
+          <p:nvPr>
+            <p:ph idx="1"/>
+          </p:nvPr>
+        </p:nvSpPr>
+        <p:spPr>
+          <a:xfrm>
+            <a:off x="381000" y="1295400"/>
+            <a:ext cx="8229600" cy="5410200"/>
+          </a:xfrm>
+        </p:spPr>
+        <p:txBody>
+          <a:bodyPr>
+            <a:normAutofit lnSpcReduction="10000"/>
+          </a:bodyPr>
+          <a:lstStyle/>
+          <a:p>
+            <a:r>
+              <a:rPr lang="en-US" dirty="0" smtClean="0"/>
+              <a:t>What is LDAP</a:t>
+            </a:r>
+          </a:p>
+          <a:p>
+            <a:pPr lvl="1"/>
+            <a:r>
+              <a:rPr lang="en-US" dirty="0">
+                <a:hlinkClick r:id="rId2"/>
+              </a:rPr>
+              <a:t>http://</a:t>
+            </a:r>
+            <a:r>
+              <a:rPr lang="en-US" dirty="0" smtClean="0">
+                <a:hlinkClick r:id="rId2"/>
+              </a:rPr>
+              <a:t>www.nexpert.com.au/23</a:t>
+            </a:r>
+            <a:endParaRPr lang="en-US" dirty="0"/>
+          </a:p>
+          <a:p>
+            <a:pPr marL="457200" lvl="1" indent="0">
+              <a:buNone/>
+            </a:pPr>
+            <a:r>
+              <a:rPr lang="en-US" dirty="0" smtClean="0"/>
+              <a:t>SSO</a:t>
+            </a:r>
+          </a:p>
+          <a:p>
+            <a:pPr marL="457200" lvl="1" indent="0">
+              <a:buNone/>
+            </a:pPr>
+            <a:r>
+              <a:rPr lang="en-US" dirty="0">
+                <a:hlinkClick r:id="rId3"/>
+              </a:rPr>
+              <a:t>https://</a:t>
+            </a:r>
+            <a:r>
+              <a:rPr lang="en-US" dirty="0" smtClean="0">
+                <a:hlinkClick r:id="rId3"/>
+              </a:rPr>
+              <a:t>docs.oracle.com/cd/A97336_01/portal.102/a86782/concepts.htm</a:t>
+            </a:r>
+            <a:endParaRPr lang="en-US" dirty="0" smtClean="0"/>
+          </a:p>
+          <a:p>
+            <a:pPr marL="457200" lvl="1" indent="0">
+              <a:buNone/>
+            </a:pPr>
+            <a:endParaRPr lang="en-US" dirty="0" smtClean="0"/>
+          </a:p>
+          <a:p>
+            <a:pPr marL="457200" lvl="1" indent="0">
+              <a:buNone/>
+            </a:pPr>
+            <a:r>
+              <a:rPr lang="en-US" dirty="0">
+                <a:hlinkClick r:id="rId4"/>
+              </a:rPr>
+              <a:t>https://hellokoding.com/hello-single-sign-on-sso-with-json-web-token-jwt-spring-boot</a:t>
+            </a:r>
+            <a:r>
+              <a:rPr lang="en-US" dirty="0" smtClean="0">
+                <a:hlinkClick r:id="rId4"/>
+              </a:rPr>
+              <a:t>/</a:t>
+            </a:r>
+            <a:endParaRPr lang="en-US" dirty="0" smtClean="0"/>
+          </a:p>
+          <a:p>
+            <a:pPr marL="457200" lvl="1" indent="0">
+              <a:buNone/>
+            </a:pPr>
+            <a:endParaRPr lang="en-US" dirty="0" smtClean="0"/>
+          </a:p>
+          <a:p>
+            <a:pPr marL="457200" lvl="1" indent="0">
+              <a:buNone/>
+            </a:pPr>
+            <a:r>
+              <a:rPr lang="en-US" dirty="0">
+                <a:hlinkClick r:id="rId5"/>
+              </a:rPr>
+              <a:t>https://spring.io/guides/tutorials/spring-boot-oauth2</a:t>
+            </a:r>
+            <a:r>
+              <a:rPr lang="en-US" dirty="0" smtClean="0">
+                <a:hlinkClick r:id="rId5"/>
+              </a:rPr>
+              <a:t>/</a:t>
+            </a:r>
+            <a:endParaRPr lang="en-US" dirty="0" smtClean="0"/>
+          </a:p>
+          <a:p>
+            <a:pPr marL="457200" lvl="1" indent="0">
+              <a:buNone/>
+            </a:pPr>
+            <a:endParaRPr lang="en-US" dirty="0" smtClean="0"/>
+          </a:p>
+          <a:p>
+            <a:pPr marL="457200" lvl="1" indent="0">
+              <a:buNone/>
+            </a:pPr>
+            <a:endParaRPr lang="en-US" dirty="0"/>
+          </a:p>
+          <a:p>
+            <a:pPr marL="457200" lvl="1" indent="0">
+              <a:buNone/>
+            </a:pPr>
+            <a:endParaRPr lang="en-US" dirty="0"/>
+          </a:p>
+        </p:txBody>
+      </p:sp>
+    </p:spTree>
+    <p:extLst>
+      <p:ext uri="{BB962C8B-B14F-4D97-AF65-F5344CB8AC3E}">
+        <p14:creationId xmlns:p14="http://schemas.microsoft.com/office/powerpoint/2010/main" val="3939624376"/>
+      </p:ext>
+    </p:extLst>
+  </p:cSld>
+  <p:clrMapOvr>
+    <a:masterClrMapping/>
+  </p:clrMapOvr>
+</p:sld>
+</file>
+
+<file path=ppt/slides/slide17.xml><?xml version="1.0" encoding="utf-8"?>
+<p:sld xmlns:a="http://schemas.openxmlformats.org/drawingml/2006/main" xmlns:r="http://schemas.openxmlformats.org/officeDocument/2006/relationships" xmlns:p="http://schemas.openxmlformats.org/presentationml/2006/main">
+  <p:cSld>
+    <p:spTree>
+      <p:nvGrpSpPr>
+        <p:cNvPr id="1" name=""/>
+        <p:cNvGrpSpPr/>
+        <p:nvPr/>
+      </p:nvGrpSpPr>
+      <p:grpSpPr>
+        <a:xfrm>
+          <a:off x="0" y="0"/>
+          <a:ext cx="0" cy="0"/>
+          <a:chOff x="0" y="0"/>
+          <a:chExt cx="0" cy="0"/>
+        </a:xfrm>
+      </p:grpSpPr>
+      <p:sp>
+        <p:nvSpPr>
+          <p:cNvPr id="2" name="Title 1"/>
+          <p:cNvSpPr>
+            <a:spLocks noGrp="1"/>
+          </p:cNvSpPr>
+          <p:nvPr>
+            <p:ph type="title"/>
+          </p:nvPr>
+        </p:nvSpPr>
+        <p:spPr/>
+        <p:txBody>
+          <a:bodyPr/>
+          <a:lstStyle/>
+          <a:p>
+            <a:r>
+              <a:rPr lang="en-US" dirty="0" smtClean="0"/>
+              <a:t>Reference</a:t>
+            </a:r>
+            <a:endParaRPr lang="en-US" dirty="0"/>
+          </a:p>
+        </p:txBody>
+      </p:sp>
+      <p:sp>
+        <p:nvSpPr>
+          <p:cNvPr id="3" name="Content Placeholder 2"/>
+          <p:cNvSpPr>
+            <a:spLocks noGrp="1"/>
+          </p:cNvSpPr>
+          <p:nvPr>
+            <p:ph idx="1"/>
+          </p:nvPr>
+        </p:nvSpPr>
+        <p:spPr/>
+        <p:txBody>
+          <a:bodyPr/>
+          <a:lstStyle/>
+          <a:p>
+            <a:r>
+              <a:rPr lang="en-US" dirty="0" smtClean="0"/>
+              <a:t>JAAS</a:t>
+            </a:r>
+          </a:p>
+          <a:p>
+            <a:pPr lvl="1"/>
+            <a:r>
+              <a:rPr lang="en-US">
+                <a:hlinkClick r:id="rId2"/>
+              </a:rPr>
+              <a:t>https</a:t>
+            </a:r>
+            <a:r>
+              <a:rPr lang="en-US">
+                <a:hlinkClick r:id="rId2"/>
+              </a:rPr>
+              <a:t>://</a:t>
+            </a:r>
+            <a:r>
+              <a:rPr lang="en-US" smtClean="0">
+                <a:hlinkClick r:id="rId2"/>
+              </a:rPr>
+              <a:t>docs.oracle.com/javase/8/docs/technotes/guides/security/jaas/JAASRefGuide.html</a:t>
+            </a:r>
+            <a:endParaRPr lang="en-US" smtClean="0"/>
+          </a:p>
+          <a:p>
+            <a:pPr lvl="1"/>
+            <a:endParaRPr lang="en-US"/>
+          </a:p>
+        </p:txBody>
+      </p:sp>
+    </p:spTree>
+    <p:extLst>
+      <p:ext uri="{BB962C8B-B14F-4D97-AF65-F5344CB8AC3E}">
+        <p14:creationId xmlns:p14="http://schemas.microsoft.com/office/powerpoint/2010/main" val="1920796252"/>
+      </p:ext>
+    </p:extLst>
+  </p:cSld>
+  <p:clrMapOvr>
+    <a:masterClrMapping/>
+  </p:clrMapOvr>
+</p:sld>
+</file>
+
 <file path=ppt/slides/slide2.xml><?xml version="1.0" encoding="utf-8"?>
 <p:sld xmlns:a="http://schemas.openxmlformats.org/drawingml/2006/main" xmlns:r="http://schemas.openxmlformats.org/officeDocument/2006/relationships" xmlns:p="http://schemas.openxmlformats.org/presentationml/2006/main">
   <p:cSld>
@@ -4460,96 +5449,219 @@
             <p:ph type="title"/>
           </p:nvPr>
         </p:nvSpPr>
-        <p:spPr/>
+        <p:spPr>
+          <a:xfrm>
+            <a:off x="0" y="76201"/>
+            <a:ext cx="8991600" cy="1143000"/>
+          </a:xfrm>
+        </p:spPr>
         <p:txBody>
           <a:bodyPr/>
           <a:lstStyle/>
           <a:p>
             <a:r>
               <a:rPr lang="en-US" dirty="0" smtClean="0"/>
-              <a:t>Spring Security-Modules</a:t>
+              <a:t>Kerberos authentication </a:t>
+            </a:r>
+            <a:r>
+              <a:rPr lang="en-US" dirty="0" err="1" smtClean="0"/>
+              <a:t>architechture</a:t>
             </a:r>
             <a:endParaRPr lang="en-US" dirty="0"/>
           </a:p>
         </p:txBody>
       </p:sp>
-      <p:sp>
-        <p:nvSpPr>
-          <p:cNvPr id="3" name="Content Placeholder 2"/>
-          <p:cNvSpPr>
-            <a:spLocks noGrp="1"/>
-          </p:cNvSpPr>
-          <p:nvPr>
-            <p:ph idx="1"/>
-          </p:nvPr>
-        </p:nvSpPr>
-        <p:spPr/>
-        <p:txBody>
-          <a:bodyPr/>
-          <a:lstStyle/>
-          <a:p>
-            <a:r>
-              <a:rPr lang="en-US" dirty="0" err="1"/>
-              <a:t>org.springframework.security.core</a:t>
-            </a:r>
-            <a:endParaRPr lang="en-US" dirty="0"/>
-          </a:p>
-          <a:p>
-            <a:r>
-              <a:rPr lang="en-US" dirty="0" err="1"/>
-              <a:t>org.springframework.security.access</a:t>
-            </a:r>
-            <a:endParaRPr lang="en-US" dirty="0"/>
-          </a:p>
-          <a:p>
-            <a:r>
-              <a:rPr lang="en-US" dirty="0" err="1"/>
-              <a:t>org.springframework.security.authentication</a:t>
-            </a:r>
-            <a:endParaRPr lang="en-US" dirty="0"/>
-          </a:p>
-          <a:p>
-            <a:r>
-              <a:rPr lang="en-US" dirty="0" err="1"/>
-              <a:t>org.springframework.security.provisioning</a:t>
-            </a:r>
-            <a:endParaRPr lang="en-US" dirty="0"/>
-          </a:p>
-          <a:p>
-            <a:pPr lvl="1"/>
-            <a:r>
-              <a:rPr lang="en-US" b="1" dirty="0"/>
-              <a:t>Web - spring-security-web.jar</a:t>
-            </a:r>
-          </a:p>
-          <a:p>
-            <a:pPr lvl="1"/>
-            <a:r>
-              <a:rPr lang="en-US" b="1" dirty="0" err="1"/>
-              <a:t>Config</a:t>
-            </a:r>
-            <a:r>
-              <a:rPr lang="en-US" b="1" dirty="0"/>
-              <a:t> - spring-security-config.jar</a:t>
-            </a:r>
-          </a:p>
-          <a:p>
-            <a:pPr lvl="1"/>
-            <a:r>
-              <a:rPr lang="en-US" b="1" dirty="0"/>
-              <a:t>LDAP - spring-security-ldap.jar</a:t>
-            </a:r>
-          </a:p>
-          <a:p>
-            <a:pPr lvl="1"/>
-            <a:endParaRPr lang="en-US" dirty="0"/>
-          </a:p>
-        </p:txBody>
-      </p:sp>
+      <p:pic>
+        <p:nvPicPr>
+          <p:cNvPr id="1026" name="Picture 2" descr="https://msdn.microsoft.com/en-us/library/bb742516.kerb01_big(l=en-us).gif"/>
+          <p:cNvPicPr>
+            <a:picLocks noChangeAspect="1" noChangeArrowheads="1"/>
+          </p:cNvPicPr>
+          <p:nvPr/>
+        </p:nvPicPr>
+        <p:blipFill>
+          <a:blip r:embed="rId2">
+            <a:extLst>
+              <a:ext uri="{28A0092B-C50C-407E-A947-70E740481C1C}">
+                <a14:useLocalDpi xmlns:a14="http://schemas.microsoft.com/office/drawing/2010/main" val="0"/>
+              </a:ext>
+            </a:extLst>
+          </a:blip>
+          <a:srcRect/>
+          <a:stretch>
+            <a:fillRect/>
+          </a:stretch>
+        </p:blipFill>
+        <p:spPr bwMode="auto">
+          <a:xfrm>
+            <a:off x="457199" y="1219201"/>
+            <a:ext cx="7924801" cy="5614416"/>
+          </a:xfrm>
+          <a:prstGeom prst="rect">
+            <a:avLst/>
+          </a:prstGeom>
+          <a:noFill/>
+          <a:extLst>
+            <a:ext uri="{909E8E84-426E-40DD-AFC4-6F175D3DCCD1}">
+              <a14:hiddenFill xmlns:a14="http://schemas.microsoft.com/office/drawing/2010/main">
+                <a:solidFill>
+                  <a:srgbClr val="FFFFFF"/>
+                </a:solidFill>
+              </a14:hiddenFill>
+            </a:ext>
+          </a:extLst>
+        </p:spPr>
+      </p:pic>
     </p:spTree>
     <p:extLst>
       <p:ext uri="{BB962C8B-B14F-4D97-AF65-F5344CB8AC3E}">
-        <p14:creationId xmlns:p14="http://schemas.microsoft.com/office/powerpoint/2010/main" val="953143570"/>
+        <p14:creationId xmlns:p14="http://schemas.microsoft.com/office/powerpoint/2010/main" val="3573683329"/>
+      </p:ext>
+    </p:extLst>
+  </p:cSld>
+  <p:clrMapOvr>
+    <a:masterClrMapping/>
+  </p:clrMapOvr>
+</p:sld>
+</file>
+
+<file path=ppt/slides/slide9.xml><?xml version="1.0" encoding="utf-8"?>
+<p:sld xmlns:a="http://schemas.openxmlformats.org/drawingml/2006/main" xmlns:r="http://schemas.openxmlformats.org/officeDocument/2006/relationships" xmlns:p="http://schemas.openxmlformats.org/presentationml/2006/main">
+  <p:cSld>
+    <p:spTree>
+      <p:nvGrpSpPr>
+        <p:cNvPr id="1" name=""/>
+        <p:cNvGrpSpPr/>
+        <p:nvPr/>
+      </p:nvGrpSpPr>
+      <p:grpSpPr>
+        <a:xfrm>
+          <a:off x="0" y="0"/>
+          <a:ext cx="0" cy="0"/>
+          <a:chOff x="0" y="0"/>
+          <a:chExt cx="0" cy="0"/>
+        </a:xfrm>
+      </p:grpSpPr>
+      <p:sp>
+        <p:nvSpPr>
+          <p:cNvPr id="2" name="Title 1"/>
+          <p:cNvSpPr>
+            <a:spLocks noGrp="1"/>
+          </p:cNvSpPr>
+          <p:nvPr>
+            <p:ph type="title"/>
+          </p:nvPr>
+        </p:nvSpPr>
+        <p:spPr/>
+        <p:txBody>
+          <a:bodyPr/>
+          <a:lstStyle/>
+          <a:p>
+            <a:r>
+              <a:rPr lang="en-US" dirty="0" smtClean="0"/>
+              <a:t>LDAP Authentication </a:t>
+            </a:r>
+            <a:r>
+              <a:rPr lang="en-US" dirty="0" err="1" smtClean="0"/>
+              <a:t>architechture</a:t>
+            </a:r>
+            <a:endParaRPr lang="en-US" dirty="0"/>
+          </a:p>
+        </p:txBody>
+      </p:sp>
+      <p:pic>
+        <p:nvPicPr>
+          <p:cNvPr id="2052" name="Picture 4"/>
+          <p:cNvPicPr>
+            <a:picLocks noChangeAspect="1" noChangeArrowheads="1"/>
+          </p:cNvPicPr>
+          <p:nvPr/>
+        </p:nvPicPr>
+        <p:blipFill>
+          <a:blip r:embed="rId2">
+            <a:extLst>
+              <a:ext uri="{28A0092B-C50C-407E-A947-70E740481C1C}">
+                <a14:useLocalDpi xmlns:a14="http://schemas.microsoft.com/office/drawing/2010/main" val="0"/>
+              </a:ext>
+            </a:extLst>
+          </a:blip>
+          <a:srcRect/>
+          <a:stretch>
+            <a:fillRect/>
+          </a:stretch>
+        </p:blipFill>
+        <p:spPr bwMode="auto">
+          <a:xfrm>
+            <a:off x="533400" y="1162050"/>
+            <a:ext cx="7772400" cy="4779926"/>
+          </a:xfrm>
+          <a:prstGeom prst="rect">
+            <a:avLst/>
+          </a:prstGeom>
+          <a:noFill/>
+          <a:ln>
+            <a:noFill/>
+          </a:ln>
+          <a:extLst>
+            <a:ext uri="{909E8E84-426E-40DD-AFC4-6F175D3DCCD1}">
+              <a14:hiddenFill xmlns:a14="http://schemas.microsoft.com/office/drawing/2010/main">
+                <a:solidFill>
+                  <a:schemeClr val="accent1"/>
+                </a:solidFill>
+              </a14:hiddenFill>
+            </a:ext>
+            <a:ext uri="{91240B29-F687-4F45-9708-019B960494DF}">
+              <a14:hiddenLine xmlns:a14="http://schemas.microsoft.com/office/drawing/2010/main" w="9525">
+                <a:solidFill>
+                  <a:schemeClr val="tx1"/>
+                </a:solidFill>
+                <a:miter lim="800000"/>
+                <a:headEnd/>
+                <a:tailEnd/>
+              </a14:hiddenLine>
+            </a:ext>
+          </a:extLst>
+        </p:spPr>
+      </p:pic>
+      <p:sp>
+        <p:nvSpPr>
+          <p:cNvPr id="5" name="TextBox 4"/>
+          <p:cNvSpPr txBox="1"/>
+          <p:nvPr/>
+        </p:nvSpPr>
+        <p:spPr>
+          <a:xfrm>
+            <a:off x="5334000" y="5425882"/>
+            <a:ext cx="3124200" cy="646331"/>
+          </a:xfrm>
+          <a:prstGeom prst="rect">
+            <a:avLst/>
+          </a:prstGeom>
+          <a:noFill/>
+          <a:ln>
+            <a:solidFill>
+              <a:schemeClr val="tx1"/>
+            </a:solidFill>
+          </a:ln>
+        </p:spPr>
+        <p:txBody>
+          <a:bodyPr wrap="square" rtlCol="0">
+            <a:spAutoFit/>
+          </a:bodyPr>
+          <a:lstStyle/>
+          <a:p>
+            <a:r>
+              <a:rPr lang="en-US" dirty="0" smtClean="0"/>
+              <a:t>Authorization is  maintained by user role</a:t>
+            </a:r>
+            <a:endParaRPr lang="en-US" dirty="0"/>
+          </a:p>
+        </p:txBody>
+      </p:sp>
+    </p:spTree>
+    <p:extLst>
+      <p:ext uri="{BB962C8B-B14F-4D97-AF65-F5344CB8AC3E}">
+        <p14:creationId xmlns:p14="http://schemas.microsoft.com/office/powerpoint/2010/main" val="1654152381"/>
       </p:ext>
     </p:extLst>
   </p:cSld>
